--- a/data/Presentación_Martinez.pptx
+++ b/data/Presentación_Martinez.pptx
@@ -12,6 +12,9 @@
     <p:sldId id="259" r:id="rId6"/>
     <p:sldId id="261" r:id="rId7"/>
     <p:sldId id="262" r:id="rId8"/>
+    <p:sldId id="263" r:id="rId9"/>
+    <p:sldId id="264" r:id="rId10"/>
+    <p:sldId id="265" r:id="rId11"/>
   </p:sldIdLst>
   <p:sldSz cx="12192000" cy="6858000"/>
   <p:notesSz cx="6858000" cy="9144000"/>
@@ -175,7 +178,7 @@
           <a:noFill/>
           <a:extLst>
             <a:ext uri="{909E8E84-426E-40dd-AFC4-6F175D3DCCD1}">
-              <a14:hiddenFill xmlns="" xmlns:a14="http://schemas.microsoft.com/office/drawing/2010/main">
+              <a14:hiddenFill xmlns:a14="http://schemas.microsoft.com/office/drawing/2010/main" xmlns="">
                 <a:solidFill>
                   <a:srgbClr val="FFFFFF"/>
                 </a:solidFill>
@@ -234,7 +237,7 @@
             </a:ln>
             <a:extLst>
               <a:ext uri="{91240B29-F687-4f45-9708-019B960494DF}">
-                <a14:hiddenLine xmlns="" xmlns:a14="http://schemas.microsoft.com/office/drawing/2010/main" w="9525">
+                <a14:hiddenLine xmlns:a14="http://schemas.microsoft.com/office/drawing/2010/main" xmlns="" w="9525">
                   <a:solidFill>
                     <a:srgbClr val="000000"/>
                   </a:solidFill>
@@ -324,7 +327,7 @@
             </a:ln>
             <a:extLst>
               <a:ext uri="{91240B29-F687-4f45-9708-019B960494DF}">
-                <a14:hiddenLine xmlns="" xmlns:a14="http://schemas.microsoft.com/office/drawing/2010/main" w="9525">
+                <a14:hiddenLine xmlns:a14="http://schemas.microsoft.com/office/drawing/2010/main" xmlns="" w="9525">
                   <a:solidFill>
                     <a:srgbClr val="000000"/>
                   </a:solidFill>
@@ -414,7 +417,7 @@
             </a:ln>
             <a:extLst>
               <a:ext uri="{91240B29-F687-4f45-9708-019B960494DF}">
-                <a14:hiddenLine xmlns="" xmlns:a14="http://schemas.microsoft.com/office/drawing/2010/main" w="9525">
+                <a14:hiddenLine xmlns:a14="http://schemas.microsoft.com/office/drawing/2010/main" xmlns="" w="9525">
                   <a:solidFill>
                     <a:srgbClr val="000000"/>
                   </a:solidFill>
@@ -448,7 +451,7 @@
             </a:ln>
             <a:extLst>
               <a:ext uri="{91240B29-F687-4f45-9708-019B960494DF}">
-                <a14:hiddenLine xmlns="" xmlns:a14="http://schemas.microsoft.com/office/drawing/2010/main" w="9525">
+                <a14:hiddenLine xmlns:a14="http://schemas.microsoft.com/office/drawing/2010/main" xmlns="" w="9525">
                   <a:solidFill>
                     <a:srgbClr val="000000"/>
                   </a:solidFill>
@@ -538,7 +541,7 @@
             </a:ln>
             <a:extLst>
               <a:ext uri="{91240B29-F687-4f45-9708-019B960494DF}">
-                <a14:hiddenLine xmlns="" xmlns:a14="http://schemas.microsoft.com/office/drawing/2010/main" w="9525">
+                <a14:hiddenLine xmlns:a14="http://schemas.microsoft.com/office/drawing/2010/main" xmlns="" w="9525">
                   <a:solidFill>
                     <a:srgbClr val="000000"/>
                   </a:solidFill>
@@ -600,7 +603,7 @@
             </a:ln>
             <a:extLst>
               <a:ext uri="{91240B29-F687-4f45-9708-019B960494DF}">
-                <a14:hiddenLine xmlns="" xmlns:a14="http://schemas.microsoft.com/office/drawing/2010/main" w="9525">
+                <a14:hiddenLine xmlns:a14="http://schemas.microsoft.com/office/drawing/2010/main" xmlns="" w="9525">
                   <a:solidFill>
                     <a:srgbClr val="000000"/>
                   </a:solidFill>
@@ -662,7 +665,7 @@
             </a:ln>
             <a:extLst>
               <a:ext uri="{91240B29-F687-4f45-9708-019B960494DF}">
-                <a14:hiddenLine xmlns="" xmlns:a14="http://schemas.microsoft.com/office/drawing/2010/main" w="9525">
+                <a14:hiddenLine xmlns:a14="http://schemas.microsoft.com/office/drawing/2010/main" xmlns="" w="9525">
                   <a:solidFill>
                     <a:srgbClr val="000000"/>
                   </a:solidFill>
@@ -752,7 +755,7 @@
             </a:ln>
             <a:extLst>
               <a:ext uri="{91240B29-F687-4f45-9708-019B960494DF}">
-                <a14:hiddenLine xmlns="" xmlns:a14="http://schemas.microsoft.com/office/drawing/2010/main" w="9525">
+                <a14:hiddenLine xmlns:a14="http://schemas.microsoft.com/office/drawing/2010/main" xmlns="" w="9525">
                   <a:solidFill>
                     <a:srgbClr val="000000"/>
                   </a:solidFill>
@@ -814,7 +817,7 @@
             </a:ln>
             <a:extLst>
               <a:ext uri="{91240B29-F687-4f45-9708-019B960494DF}">
-                <a14:hiddenLine xmlns="" xmlns:a14="http://schemas.microsoft.com/office/drawing/2010/main" w="9525">
+                <a14:hiddenLine xmlns:a14="http://schemas.microsoft.com/office/drawing/2010/main" xmlns="" w="9525">
                   <a:solidFill>
                     <a:srgbClr val="000000"/>
                   </a:solidFill>
@@ -876,7 +879,7 @@
             </a:ln>
             <a:extLst>
               <a:ext uri="{91240B29-F687-4f45-9708-019B960494DF}">
-                <a14:hiddenLine xmlns="" xmlns:a14="http://schemas.microsoft.com/office/drawing/2010/main" w="9525">
+                <a14:hiddenLine xmlns:a14="http://schemas.microsoft.com/office/drawing/2010/main" xmlns="" w="9525">
                   <a:solidFill>
                     <a:srgbClr val="000000"/>
                   </a:solidFill>
@@ -966,7 +969,7 @@
             </a:ln>
             <a:extLst>
               <a:ext uri="{91240B29-F687-4f45-9708-019B960494DF}">
-                <a14:hiddenLine xmlns="" xmlns:a14="http://schemas.microsoft.com/office/drawing/2010/main" w="9525">
+                <a14:hiddenLine xmlns:a14="http://schemas.microsoft.com/office/drawing/2010/main" xmlns="" w="9525">
                   <a:solidFill>
                     <a:srgbClr val="000000"/>
                   </a:solidFill>
@@ -1056,7 +1059,7 @@
             </a:ln>
             <a:extLst>
               <a:ext uri="{91240B29-F687-4f45-9708-019B960494DF}">
-                <a14:hiddenLine xmlns="" xmlns:a14="http://schemas.microsoft.com/office/drawing/2010/main" w="9525">
+                <a14:hiddenLine xmlns:a14="http://schemas.microsoft.com/office/drawing/2010/main" xmlns="" w="9525">
                   <a:solidFill>
                     <a:srgbClr val="000000"/>
                   </a:solidFill>
@@ -1118,7 +1121,7 @@
             </a:ln>
             <a:extLst>
               <a:ext uri="{91240B29-F687-4f45-9708-019B960494DF}">
-                <a14:hiddenLine xmlns="" xmlns:a14="http://schemas.microsoft.com/office/drawing/2010/main" w="9525">
+                <a14:hiddenLine xmlns:a14="http://schemas.microsoft.com/office/drawing/2010/main" xmlns="" w="9525">
                   <a:solidFill>
                     <a:srgbClr val="000000"/>
                   </a:solidFill>
@@ -1228,7 +1231,7 @@
             </a:ln>
             <a:extLst>
               <a:ext uri="{91240B29-F687-4f45-9708-019B960494DF}">
-                <a14:hiddenLine xmlns="" xmlns:a14="http://schemas.microsoft.com/office/drawing/2010/main" w="9525">
+                <a14:hiddenLine xmlns:a14="http://schemas.microsoft.com/office/drawing/2010/main" xmlns="" w="9525">
                   <a:solidFill>
                     <a:srgbClr val="000000"/>
                   </a:solidFill>
@@ -1290,7 +1293,7 @@
             </a:ln>
             <a:extLst>
               <a:ext uri="{91240B29-F687-4f45-9708-019B960494DF}">
-                <a14:hiddenLine xmlns="" xmlns:a14="http://schemas.microsoft.com/office/drawing/2010/main" w="9525">
+                <a14:hiddenLine xmlns:a14="http://schemas.microsoft.com/office/drawing/2010/main" xmlns="" w="9525">
                   <a:solidFill>
                     <a:srgbClr val="000000"/>
                   </a:solidFill>
@@ -1380,7 +1383,7 @@
             </a:ln>
             <a:extLst>
               <a:ext uri="{91240B29-F687-4f45-9708-019B960494DF}">
-                <a14:hiddenLine xmlns="" xmlns:a14="http://schemas.microsoft.com/office/drawing/2010/main" w="9525">
+                <a14:hiddenLine xmlns:a14="http://schemas.microsoft.com/office/drawing/2010/main" xmlns="" w="9525">
                   <a:solidFill>
                     <a:srgbClr val="000000"/>
                   </a:solidFill>
@@ -1470,7 +1473,7 @@
             </a:ln>
             <a:extLst>
               <a:ext uri="{91240B29-F687-4f45-9708-019B960494DF}">
-                <a14:hiddenLine xmlns="" xmlns:a14="http://schemas.microsoft.com/office/drawing/2010/main" w="9525">
+                <a14:hiddenLine xmlns:a14="http://schemas.microsoft.com/office/drawing/2010/main" xmlns="" w="9525">
                   <a:solidFill>
                     <a:srgbClr val="000000"/>
                   </a:solidFill>
@@ -1532,7 +1535,7 @@
             </a:ln>
             <a:extLst>
               <a:ext uri="{91240B29-F687-4f45-9708-019B960494DF}">
-                <a14:hiddenLine xmlns="" xmlns:a14="http://schemas.microsoft.com/office/drawing/2010/main" w="9525">
+                <a14:hiddenLine xmlns:a14="http://schemas.microsoft.com/office/drawing/2010/main" xmlns="" w="9525">
                   <a:solidFill>
                     <a:srgbClr val="000000"/>
                   </a:solidFill>
@@ -1622,7 +1625,7 @@
             </a:ln>
             <a:extLst>
               <a:ext uri="{91240B29-F687-4f45-9708-019B960494DF}">
-                <a14:hiddenLine xmlns="" xmlns:a14="http://schemas.microsoft.com/office/drawing/2010/main" w="9525">
+                <a14:hiddenLine xmlns:a14="http://schemas.microsoft.com/office/drawing/2010/main" xmlns="" w="9525">
                   <a:solidFill>
                     <a:srgbClr val="000000"/>
                   </a:solidFill>
@@ -1712,7 +1715,7 @@
             </a:ln>
             <a:extLst>
               <a:ext uri="{91240B29-F687-4f45-9708-019B960494DF}">
-                <a14:hiddenLine xmlns="" xmlns:a14="http://schemas.microsoft.com/office/drawing/2010/main" w="9525">
+                <a14:hiddenLine xmlns:a14="http://schemas.microsoft.com/office/drawing/2010/main" xmlns="" w="9525">
                   <a:solidFill>
                     <a:srgbClr val="000000"/>
                   </a:solidFill>
@@ -1768,7 +1771,7 @@
             </a:ln>
             <a:extLst>
               <a:ext uri="{91240B29-F687-4f45-9708-019B960494DF}">
-                <a14:hiddenLine xmlns="" xmlns:a14="http://schemas.microsoft.com/office/drawing/2010/main" w="9525">
+                <a14:hiddenLine xmlns:a14="http://schemas.microsoft.com/office/drawing/2010/main" xmlns="" w="9525">
                   <a:solidFill>
                     <a:srgbClr val="000000"/>
                   </a:solidFill>
@@ -1858,7 +1861,7 @@
             </a:ln>
             <a:extLst>
               <a:ext uri="{91240B29-F687-4f45-9708-019B960494DF}">
-                <a14:hiddenLine xmlns="" xmlns:a14="http://schemas.microsoft.com/office/drawing/2010/main" w="9525">
+                <a14:hiddenLine xmlns:a14="http://schemas.microsoft.com/office/drawing/2010/main" xmlns="" w="9525">
                   <a:solidFill>
                     <a:srgbClr val="000000"/>
                   </a:solidFill>
@@ -1914,7 +1917,7 @@
             </a:ln>
             <a:extLst>
               <a:ext uri="{91240B29-F687-4f45-9708-019B960494DF}">
-                <a14:hiddenLine xmlns="" xmlns:a14="http://schemas.microsoft.com/office/drawing/2010/main" w="9525">
+                <a14:hiddenLine xmlns:a14="http://schemas.microsoft.com/office/drawing/2010/main" xmlns="" w="9525">
                   <a:solidFill>
                     <a:srgbClr val="000000"/>
                   </a:solidFill>
@@ -2004,7 +2007,7 @@
             </a:ln>
             <a:extLst>
               <a:ext uri="{91240B29-F687-4f45-9708-019B960494DF}">
-                <a14:hiddenLine xmlns="" xmlns:a14="http://schemas.microsoft.com/office/drawing/2010/main" w="9525">
+                <a14:hiddenLine xmlns:a14="http://schemas.microsoft.com/office/drawing/2010/main" xmlns="" w="9525">
                   <a:solidFill>
                     <a:srgbClr val="000000"/>
                   </a:solidFill>
@@ -2072,7 +2075,7 @@
             </a:ln>
             <a:extLst>
               <a:ext uri="{91240B29-F687-4f45-9708-019B960494DF}">
-                <a14:hiddenLine xmlns="" xmlns:a14="http://schemas.microsoft.com/office/drawing/2010/main" w="9525">
+                <a14:hiddenLine xmlns:a14="http://schemas.microsoft.com/office/drawing/2010/main" xmlns="" w="9525">
                   <a:solidFill>
                     <a:srgbClr val="000000"/>
                   </a:solidFill>
@@ -2162,7 +2165,7 @@
             </a:ln>
             <a:extLst>
               <a:ext uri="{91240B29-F687-4f45-9708-019B960494DF}">
-                <a14:hiddenLine xmlns="" xmlns:a14="http://schemas.microsoft.com/office/drawing/2010/main" w="9525">
+                <a14:hiddenLine xmlns:a14="http://schemas.microsoft.com/office/drawing/2010/main" xmlns="" w="9525">
                   <a:solidFill>
                     <a:srgbClr val="000000"/>
                   </a:solidFill>
@@ -2230,7 +2233,7 @@
             </a:ln>
             <a:extLst>
               <a:ext uri="{91240B29-F687-4f45-9708-019B960494DF}">
-                <a14:hiddenLine xmlns="" xmlns:a14="http://schemas.microsoft.com/office/drawing/2010/main" w="9525">
+                <a14:hiddenLine xmlns:a14="http://schemas.microsoft.com/office/drawing/2010/main" xmlns="" w="9525">
                   <a:solidFill>
                     <a:srgbClr val="000000"/>
                   </a:solidFill>
@@ -2320,7 +2323,7 @@
             </a:ln>
             <a:extLst>
               <a:ext uri="{91240B29-F687-4f45-9708-019B960494DF}">
-                <a14:hiddenLine xmlns="" xmlns:a14="http://schemas.microsoft.com/office/drawing/2010/main" w="9525">
+                <a14:hiddenLine xmlns:a14="http://schemas.microsoft.com/office/drawing/2010/main" xmlns="" w="9525">
                   <a:solidFill>
                     <a:srgbClr val="000000"/>
                   </a:solidFill>
@@ -2354,7 +2357,7 @@
             </a:ln>
             <a:extLst>
               <a:ext uri="{91240B29-F687-4f45-9708-019B960494DF}">
-                <a14:hiddenLine xmlns="" xmlns:a14="http://schemas.microsoft.com/office/drawing/2010/main" w="9525">
+                <a14:hiddenLine xmlns:a14="http://schemas.microsoft.com/office/drawing/2010/main" xmlns="" w="9525">
                   <a:solidFill>
                     <a:srgbClr val="000000"/>
                   </a:solidFill>
@@ -2444,7 +2447,7 @@
             </a:ln>
             <a:extLst>
               <a:ext uri="{91240B29-F687-4f45-9708-019B960494DF}">
-                <a14:hiddenLine xmlns="" xmlns:a14="http://schemas.microsoft.com/office/drawing/2010/main" w="9525">
+                <a14:hiddenLine xmlns:a14="http://schemas.microsoft.com/office/drawing/2010/main" xmlns="" w="9525">
                   <a:solidFill>
                     <a:srgbClr val="000000"/>
                   </a:solidFill>
@@ -2506,7 +2509,7 @@
             </a:ln>
             <a:extLst>
               <a:ext uri="{91240B29-F687-4f45-9708-019B960494DF}">
-                <a14:hiddenLine xmlns="" xmlns:a14="http://schemas.microsoft.com/office/drawing/2010/main" w="9525">
+                <a14:hiddenLine xmlns:a14="http://schemas.microsoft.com/office/drawing/2010/main" xmlns="" w="9525">
                   <a:solidFill>
                     <a:srgbClr val="000000"/>
                   </a:solidFill>
@@ -2568,7 +2571,7 @@
             </a:ln>
             <a:extLst>
               <a:ext uri="{91240B29-F687-4f45-9708-019B960494DF}">
-                <a14:hiddenLine xmlns="" xmlns:a14="http://schemas.microsoft.com/office/drawing/2010/main" w="9525">
+                <a14:hiddenLine xmlns:a14="http://schemas.microsoft.com/office/drawing/2010/main" xmlns="" w="9525">
                   <a:solidFill>
                     <a:srgbClr val="000000"/>
                   </a:solidFill>
@@ -2658,7 +2661,7 @@
             </a:ln>
             <a:extLst>
               <a:ext uri="{91240B29-F687-4f45-9708-019B960494DF}">
-                <a14:hiddenLine xmlns="" xmlns:a14="http://schemas.microsoft.com/office/drawing/2010/main" w="9525">
+                <a14:hiddenLine xmlns:a14="http://schemas.microsoft.com/office/drawing/2010/main" xmlns="" w="9525">
                   <a:solidFill>
                     <a:srgbClr val="000000"/>
                   </a:solidFill>
@@ -2726,7 +2729,7 @@
             </a:ln>
             <a:extLst>
               <a:ext uri="{91240B29-F687-4f45-9708-019B960494DF}">
-                <a14:hiddenLine xmlns="" xmlns:a14="http://schemas.microsoft.com/office/drawing/2010/main" w="9525">
+                <a14:hiddenLine xmlns:a14="http://schemas.microsoft.com/office/drawing/2010/main" xmlns="" w="9525">
                   <a:solidFill>
                     <a:srgbClr val="000000"/>
                   </a:solidFill>
@@ -2788,7 +2791,7 @@
             </a:ln>
             <a:extLst>
               <a:ext uri="{91240B29-F687-4f45-9708-019B960494DF}">
-                <a14:hiddenLine xmlns="" xmlns:a14="http://schemas.microsoft.com/office/drawing/2010/main" w="9525">
+                <a14:hiddenLine xmlns:a14="http://schemas.microsoft.com/office/drawing/2010/main" xmlns="" w="9525">
                   <a:solidFill>
                     <a:srgbClr val="000000"/>
                   </a:solidFill>
@@ -2878,7 +2881,7 @@
             </a:ln>
             <a:extLst>
               <a:ext uri="{91240B29-F687-4f45-9708-019B960494DF}">
-                <a14:hiddenLine xmlns="" xmlns:a14="http://schemas.microsoft.com/office/drawing/2010/main" w="9525">
+                <a14:hiddenLine xmlns:a14="http://schemas.microsoft.com/office/drawing/2010/main" xmlns="" w="9525">
                   <a:solidFill>
                     <a:srgbClr val="000000"/>
                   </a:solidFill>
@@ -2940,7 +2943,7 @@
             </a:ln>
             <a:extLst>
               <a:ext uri="{91240B29-F687-4f45-9708-019B960494DF}">
-                <a14:hiddenLine xmlns="" xmlns:a14="http://schemas.microsoft.com/office/drawing/2010/main" w="9525">
+                <a14:hiddenLine xmlns:a14="http://schemas.microsoft.com/office/drawing/2010/main" xmlns="" w="9525">
                   <a:solidFill>
                     <a:srgbClr val="000000"/>
                   </a:solidFill>
@@ -3030,7 +3033,7 @@
             </a:ln>
             <a:extLst>
               <a:ext uri="{91240B29-F687-4f45-9708-019B960494DF}">
-                <a14:hiddenLine xmlns="" xmlns:a14="http://schemas.microsoft.com/office/drawing/2010/main" w="9525">
+                <a14:hiddenLine xmlns:a14="http://schemas.microsoft.com/office/drawing/2010/main" xmlns="" w="9525">
                   <a:solidFill>
                     <a:srgbClr val="000000"/>
                   </a:solidFill>
@@ -3092,7 +3095,7 @@
             </a:ln>
             <a:extLst>
               <a:ext uri="{91240B29-F687-4f45-9708-019B960494DF}">
-                <a14:hiddenLine xmlns="" xmlns:a14="http://schemas.microsoft.com/office/drawing/2010/main" w="9525">
+                <a14:hiddenLine xmlns:a14="http://schemas.microsoft.com/office/drawing/2010/main" xmlns="" w="9525">
                   <a:solidFill>
                     <a:srgbClr val="000000"/>
                   </a:solidFill>
@@ -3182,7 +3185,7 @@
             </a:ln>
             <a:extLst>
               <a:ext uri="{91240B29-F687-4f45-9708-019B960494DF}">
-                <a14:hiddenLine xmlns="" xmlns:a14="http://schemas.microsoft.com/office/drawing/2010/main" w="9525">
+                <a14:hiddenLine xmlns:a14="http://schemas.microsoft.com/office/drawing/2010/main" xmlns="" w="9525">
                   <a:solidFill>
                     <a:srgbClr val="000000"/>
                   </a:solidFill>
@@ -3216,7 +3219,7 @@
             </a:ln>
             <a:extLst>
               <a:ext uri="{91240B29-F687-4f45-9708-019B960494DF}">
-                <a14:hiddenLine xmlns="" xmlns:a14="http://schemas.microsoft.com/office/drawing/2010/main" w="9525">
+                <a14:hiddenLine xmlns:a14="http://schemas.microsoft.com/office/drawing/2010/main" xmlns="" w="9525">
                   <a:solidFill>
                     <a:srgbClr val="000000"/>
                   </a:solidFill>
@@ -3281,7 +3284,7 @@
             </a:ln>
             <a:extLst>
               <a:ext uri="{91240B29-F687-4f45-9708-019B960494DF}">
-                <a14:hiddenLine xmlns="" xmlns:a14="http://schemas.microsoft.com/office/drawing/2010/main" w="9525">
+                <a14:hiddenLine xmlns:a14="http://schemas.microsoft.com/office/drawing/2010/main" xmlns="" w="9525">
                   <a:solidFill>
                     <a:srgbClr val="000000"/>
                   </a:solidFill>
@@ -3371,7 +3374,7 @@
             </a:ln>
             <a:extLst>
               <a:ext uri="{91240B29-F687-4f45-9708-019B960494DF}">
-                <a14:hiddenLine xmlns="" xmlns:a14="http://schemas.microsoft.com/office/drawing/2010/main" w="9525">
+                <a14:hiddenLine xmlns:a14="http://schemas.microsoft.com/office/drawing/2010/main" xmlns="" w="9525">
                   <a:solidFill>
                     <a:srgbClr val="000000"/>
                   </a:solidFill>
@@ -3433,7 +3436,7 @@
             </a:ln>
             <a:extLst>
               <a:ext uri="{91240B29-F687-4f45-9708-019B960494DF}">
-                <a14:hiddenLine xmlns="" xmlns:a14="http://schemas.microsoft.com/office/drawing/2010/main" w="9525">
+                <a14:hiddenLine xmlns:a14="http://schemas.microsoft.com/office/drawing/2010/main" xmlns="" w="9525">
                   <a:solidFill>
                     <a:srgbClr val="000000"/>
                   </a:solidFill>
@@ -3523,7 +3526,7 @@
             </a:ln>
             <a:extLst>
               <a:ext uri="{91240B29-F687-4f45-9708-019B960494DF}">
-                <a14:hiddenLine xmlns="" xmlns:a14="http://schemas.microsoft.com/office/drawing/2010/main" w="9525">
+                <a14:hiddenLine xmlns:a14="http://schemas.microsoft.com/office/drawing/2010/main" xmlns="" w="9525">
                   <a:solidFill>
                     <a:srgbClr val="000000"/>
                   </a:solidFill>
@@ -3613,7 +3616,7 @@
             </a:ln>
             <a:extLst>
               <a:ext uri="{91240B29-F687-4f45-9708-019B960494DF}">
-                <a14:hiddenLine xmlns="" xmlns:a14="http://schemas.microsoft.com/office/drawing/2010/main" w="9525">
+                <a14:hiddenLine xmlns:a14="http://schemas.microsoft.com/office/drawing/2010/main" xmlns="" w="9525">
                   <a:solidFill>
                     <a:srgbClr val="000000"/>
                   </a:solidFill>
@@ -3678,7 +3681,7 @@
             </a:ln>
             <a:extLst>
               <a:ext uri="{91240B29-F687-4f45-9708-019B960494DF}">
-                <a14:hiddenLine xmlns="" xmlns:a14="http://schemas.microsoft.com/office/drawing/2010/main" w="9525">
+                <a14:hiddenLine xmlns:a14="http://schemas.microsoft.com/office/drawing/2010/main" xmlns="" w="9525">
                   <a:solidFill>
                     <a:srgbClr val="000000"/>
                   </a:solidFill>
@@ -3740,7 +3743,7 @@
             </a:ln>
             <a:extLst>
               <a:ext uri="{91240B29-F687-4f45-9708-019B960494DF}">
-                <a14:hiddenLine xmlns="" xmlns:a14="http://schemas.microsoft.com/office/drawing/2010/main" w="9525">
+                <a14:hiddenLine xmlns:a14="http://schemas.microsoft.com/office/drawing/2010/main" xmlns="" w="9525">
                   <a:solidFill>
                     <a:srgbClr val="000000"/>
                   </a:solidFill>
@@ -3830,7 +3833,7 @@
             </a:ln>
             <a:extLst>
               <a:ext uri="{91240B29-F687-4f45-9708-019B960494DF}">
-                <a14:hiddenLine xmlns="" xmlns:a14="http://schemas.microsoft.com/office/drawing/2010/main" w="9525">
+                <a14:hiddenLine xmlns:a14="http://schemas.microsoft.com/office/drawing/2010/main" xmlns="" w="9525">
                   <a:solidFill>
                     <a:srgbClr val="000000"/>
                   </a:solidFill>
@@ -3920,7 +3923,7 @@
             </a:ln>
             <a:extLst>
               <a:ext uri="{91240B29-F687-4f45-9708-019B960494DF}">
-                <a14:hiddenLine xmlns="" xmlns:a14="http://schemas.microsoft.com/office/drawing/2010/main" w="9525">
+                <a14:hiddenLine xmlns:a14="http://schemas.microsoft.com/office/drawing/2010/main" xmlns="" w="9525">
                   <a:solidFill>
                     <a:srgbClr val="000000"/>
                   </a:solidFill>
@@ -3982,7 +3985,7 @@
             </a:ln>
             <a:extLst>
               <a:ext uri="{91240B29-F687-4f45-9708-019B960494DF}">
-                <a14:hiddenLine xmlns="" xmlns:a14="http://schemas.microsoft.com/office/drawing/2010/main" w="9525">
+                <a14:hiddenLine xmlns:a14="http://schemas.microsoft.com/office/drawing/2010/main" xmlns="" w="9525">
                   <a:solidFill>
                     <a:srgbClr val="000000"/>
                   </a:solidFill>
@@ -4102,7 +4105,7 @@
             </a:ln>
             <a:extLst>
               <a:ext uri="{91240B29-F687-4f45-9708-019B960494DF}">
-                <a14:hiddenLine xmlns="" xmlns:a14="http://schemas.microsoft.com/office/drawing/2010/main" w="9525">
+                <a14:hiddenLine xmlns:a14="http://schemas.microsoft.com/office/drawing/2010/main" xmlns="" w="9525">
                   <a:solidFill>
                     <a:srgbClr val="000000"/>
                   </a:solidFill>
@@ -4170,7 +4173,7 @@
             </a:ln>
             <a:extLst>
               <a:ext uri="{91240B29-F687-4f45-9708-019B960494DF}">
-                <a14:hiddenLine xmlns="" xmlns:a14="http://schemas.microsoft.com/office/drawing/2010/main" w="9525">
+                <a14:hiddenLine xmlns:a14="http://schemas.microsoft.com/office/drawing/2010/main" xmlns="" w="9525">
                   <a:solidFill>
                     <a:srgbClr val="000000"/>
                   </a:solidFill>
@@ -4260,7 +4263,7 @@
             </a:ln>
             <a:extLst>
               <a:ext uri="{91240B29-F687-4f45-9708-019B960494DF}">
-                <a14:hiddenLine xmlns="" xmlns:a14="http://schemas.microsoft.com/office/drawing/2010/main" w="9525">
+                <a14:hiddenLine xmlns:a14="http://schemas.microsoft.com/office/drawing/2010/main" xmlns="" w="9525">
                   <a:solidFill>
                     <a:srgbClr val="000000"/>
                   </a:solidFill>
@@ -4400,7 +4403,7 @@
           <a:p>
             <a:fld id="{48A87A34-81AB-432B-8DAE-1953F412C126}" type="datetimeFigureOut">
               <a:rPr lang="en-US" dirty="0"/>
-              <a:t>5/3/2023</a:t>
+              <a:t>5/12/2023</a:t>
             </a:fld>
             <a:endParaRPr lang="en-US" dirty="0"/>
           </a:p>
@@ -4662,7 +4665,7 @@
           <a:p>
             <a:fld id="{48A87A34-81AB-432B-8DAE-1953F412C126}" type="datetimeFigureOut">
               <a:rPr lang="en-US" dirty="0"/>
-              <a:t>5/3/2023</a:t>
+              <a:t>5/12/2023</a:t>
             </a:fld>
             <a:endParaRPr lang="en-US" dirty="0"/>
           </a:p>
@@ -4853,7 +4856,7 @@
           <a:p>
             <a:fld id="{48A87A34-81AB-432B-8DAE-1953F412C126}" type="datetimeFigureOut">
               <a:rPr lang="en-US" dirty="0"/>
-              <a:t>5/3/2023</a:t>
+              <a:t>5/12/2023</a:t>
             </a:fld>
             <a:endParaRPr lang="en-US" dirty="0"/>
           </a:p>
@@ -5111,7 +5114,7 @@
           <a:p>
             <a:fld id="{48A87A34-81AB-432B-8DAE-1953F412C126}" type="datetimeFigureOut">
               <a:rPr lang="en-US" dirty="0"/>
-              <a:t>5/3/2023</a:t>
+              <a:t>5/12/2023</a:t>
             </a:fld>
             <a:endParaRPr lang="en-US" dirty="0"/>
           </a:p>
@@ -5540,7 +5543,7 @@
           <a:p>
             <a:fld id="{48A87A34-81AB-432B-8DAE-1953F412C126}" type="datetimeFigureOut">
               <a:rPr lang="en-US" dirty="0"/>
-              <a:t>5/3/2023</a:t>
+              <a:t>5/12/2023</a:t>
             </a:fld>
             <a:endParaRPr lang="en-US" dirty="0"/>
           </a:p>
@@ -6081,7 +6084,7 @@
           <a:p>
             <a:fld id="{48A87A34-81AB-432B-8DAE-1953F412C126}" type="datetimeFigureOut">
               <a:rPr lang="en-US" dirty="0"/>
-              <a:t>5/3/2023</a:t>
+              <a:t>5/12/2023</a:t>
             </a:fld>
             <a:endParaRPr lang="en-US" dirty="0"/>
           </a:p>
@@ -6796,7 +6799,7 @@
           <a:p>
             <a:fld id="{48A87A34-81AB-432B-8DAE-1953F412C126}" type="datetimeFigureOut">
               <a:rPr lang="en-US" dirty="0"/>
-              <a:t>5/3/2023</a:t>
+              <a:t>5/12/2023</a:t>
             </a:fld>
             <a:endParaRPr lang="en-US" dirty="0"/>
           </a:p>
@@ -6961,7 +6964,7 @@
           <a:p>
             <a:fld id="{48A87A34-81AB-432B-8DAE-1953F412C126}" type="datetimeFigureOut">
               <a:rPr lang="en-US" dirty="0"/>
-              <a:t>5/3/2023</a:t>
+              <a:t>5/12/2023</a:t>
             </a:fld>
             <a:endParaRPr lang="en-US" dirty="0"/>
           </a:p>
@@ -7136,7 +7139,7 @@
           <a:p>
             <a:fld id="{48A87A34-81AB-432B-8DAE-1953F412C126}" type="datetimeFigureOut">
               <a:rPr lang="en-US" dirty="0"/>
-              <a:t>5/3/2023</a:t>
+              <a:t>5/12/2023</a:t>
             </a:fld>
             <a:endParaRPr lang="en-US" dirty="0"/>
           </a:p>
@@ -7301,7 +7304,7 @@
           <a:p>
             <a:fld id="{48A87A34-81AB-432B-8DAE-1953F412C126}" type="datetimeFigureOut">
               <a:rPr lang="en-US" dirty="0"/>
-              <a:t>5/3/2023</a:t>
+              <a:t>5/12/2023</a:t>
             </a:fld>
             <a:endParaRPr lang="en-US" dirty="0"/>
           </a:p>
@@ -7546,7 +7549,7 @@
           <a:p>
             <a:fld id="{48A87A34-81AB-432B-8DAE-1953F412C126}" type="datetimeFigureOut">
               <a:rPr lang="en-US" dirty="0"/>
-              <a:t>5/3/2023</a:t>
+              <a:t>5/12/2023</a:t>
             </a:fld>
             <a:endParaRPr lang="en-US" dirty="0"/>
           </a:p>
@@ -7773,7 +7776,7 @@
           <a:p>
             <a:fld id="{48A87A34-81AB-432B-8DAE-1953F412C126}" type="datetimeFigureOut">
               <a:rPr lang="en-US" dirty="0"/>
-              <a:t>5/3/2023</a:t>
+              <a:t>5/12/2023</a:t>
             </a:fld>
             <a:endParaRPr lang="en-US" dirty="0"/>
           </a:p>
@@ -8149,7 +8152,7 @@
           <a:p>
             <a:fld id="{48A87A34-81AB-432B-8DAE-1953F412C126}" type="datetimeFigureOut">
               <a:rPr lang="en-US" dirty="0"/>
-              <a:t>5/3/2023</a:t>
+              <a:t>5/12/2023</a:t>
             </a:fld>
             <a:endParaRPr lang="en-US" dirty="0"/>
           </a:p>
@@ -8262,7 +8265,7 @@
           <a:p>
             <a:fld id="{48A87A34-81AB-432B-8DAE-1953F412C126}" type="datetimeFigureOut">
               <a:rPr lang="en-US" dirty="0"/>
-              <a:t>5/3/2023</a:t>
+              <a:t>5/12/2023</a:t>
             </a:fld>
             <a:endParaRPr lang="en-US" dirty="0"/>
           </a:p>
@@ -8352,7 +8355,7 @@
           <a:p>
             <a:fld id="{48A87A34-81AB-432B-8DAE-1953F412C126}" type="datetimeFigureOut">
               <a:rPr lang="en-US" dirty="0"/>
-              <a:t>5/3/2023</a:t>
+              <a:t>5/12/2023</a:t>
             </a:fld>
             <a:endParaRPr lang="en-US" dirty="0"/>
           </a:p>
@@ -8596,7 +8599,7 @@
           <a:p>
             <a:fld id="{48A87A34-81AB-432B-8DAE-1953F412C126}" type="datetimeFigureOut">
               <a:rPr lang="en-US" dirty="0"/>
-              <a:t>5/3/2023</a:t>
+              <a:t>5/12/2023</a:t>
             </a:fld>
             <a:endParaRPr lang="en-US" dirty="0"/>
           </a:p>
@@ -8871,7 +8874,7 @@
           <a:p>
             <a:fld id="{48A87A34-81AB-432B-8DAE-1953F412C126}" type="datetimeFigureOut">
               <a:rPr lang="en-US" dirty="0"/>
-              <a:t>5/3/2023</a:t>
+              <a:t>5/12/2023</a:t>
             </a:fld>
             <a:endParaRPr lang="en-US" dirty="0"/>
           </a:p>
@@ -8989,7 +8992,7 @@
           <a:noFill/>
           <a:extLst>
             <a:ext uri="{909E8E84-426E-40dd-AFC4-6F175D3DCCD1}">
-              <a14:hiddenFill xmlns="" xmlns:a14="http://schemas.microsoft.com/office/drawing/2010/main">
+              <a14:hiddenFill xmlns:a14="http://schemas.microsoft.com/office/drawing/2010/main" xmlns="">
                 <a:solidFill>
                   <a:srgbClr val="FFFFFF"/>
                 </a:solidFill>
@@ -9063,7 +9066,7 @@
               </a:ln>
               <a:extLst>
                 <a:ext uri="{91240B29-F687-4f45-9708-019B960494DF}">
-                  <a14:hiddenLine xmlns="" xmlns:a14="http://schemas.microsoft.com/office/drawing/2010/main" w="9525">
+                  <a14:hiddenLine xmlns:a14="http://schemas.microsoft.com/office/drawing/2010/main" xmlns="" w="9525">
                     <a:solidFill>
                       <a:srgbClr val="000000"/>
                     </a:solidFill>
@@ -9153,7 +9156,7 @@
               </a:ln>
               <a:extLst>
                 <a:ext uri="{91240B29-F687-4f45-9708-019B960494DF}">
-                  <a14:hiddenLine xmlns="" xmlns:a14="http://schemas.microsoft.com/office/drawing/2010/main" w="9525">
+                  <a14:hiddenLine xmlns:a14="http://schemas.microsoft.com/office/drawing/2010/main" xmlns="" w="9525">
                     <a:solidFill>
                       <a:srgbClr val="000000"/>
                     </a:solidFill>
@@ -9243,7 +9246,7 @@
               </a:ln>
               <a:extLst>
                 <a:ext uri="{91240B29-F687-4f45-9708-019B960494DF}">
-                  <a14:hiddenLine xmlns="" xmlns:a14="http://schemas.microsoft.com/office/drawing/2010/main" w="9525">
+                  <a14:hiddenLine xmlns:a14="http://schemas.microsoft.com/office/drawing/2010/main" xmlns="" w="9525">
                     <a:solidFill>
                       <a:srgbClr val="000000"/>
                     </a:solidFill>
@@ -9305,7 +9308,7 @@
               </a:ln>
               <a:extLst>
                 <a:ext uri="{91240B29-F687-4f45-9708-019B960494DF}">
-                  <a14:hiddenLine xmlns="" xmlns:a14="http://schemas.microsoft.com/office/drawing/2010/main" w="9525">
+                  <a14:hiddenLine xmlns:a14="http://schemas.microsoft.com/office/drawing/2010/main" xmlns="" w="9525">
                     <a:solidFill>
                       <a:srgbClr val="000000"/>
                     </a:solidFill>
@@ -9395,7 +9398,7 @@
               </a:ln>
               <a:extLst>
                 <a:ext uri="{91240B29-F687-4f45-9708-019B960494DF}">
-                  <a14:hiddenLine xmlns="" xmlns:a14="http://schemas.microsoft.com/office/drawing/2010/main" w="9525">
+                  <a14:hiddenLine xmlns:a14="http://schemas.microsoft.com/office/drawing/2010/main" xmlns="" w="9525">
                     <a:solidFill>
                       <a:srgbClr val="000000"/>
                     </a:solidFill>
@@ -9457,7 +9460,7 @@
               </a:ln>
               <a:extLst>
                 <a:ext uri="{91240B29-F687-4f45-9708-019B960494DF}">
-                  <a14:hiddenLine xmlns="" xmlns:a14="http://schemas.microsoft.com/office/drawing/2010/main" w="9525">
+                  <a14:hiddenLine xmlns:a14="http://schemas.microsoft.com/office/drawing/2010/main" xmlns="" w="9525">
                     <a:solidFill>
                       <a:srgbClr val="000000"/>
                     </a:solidFill>
@@ -9519,7 +9522,7 @@
               </a:ln>
               <a:extLst>
                 <a:ext uri="{91240B29-F687-4f45-9708-019B960494DF}">
-                  <a14:hiddenLine xmlns="" xmlns:a14="http://schemas.microsoft.com/office/drawing/2010/main" w="9525">
+                  <a14:hiddenLine xmlns:a14="http://schemas.microsoft.com/office/drawing/2010/main" xmlns="" w="9525">
                     <a:solidFill>
                       <a:srgbClr val="000000"/>
                     </a:solidFill>
@@ -9609,7 +9612,7 @@
               </a:ln>
               <a:extLst>
                 <a:ext uri="{91240B29-F687-4f45-9708-019B960494DF}">
-                  <a14:hiddenLine xmlns="" xmlns:a14="http://schemas.microsoft.com/office/drawing/2010/main" w="9525">
+                  <a14:hiddenLine xmlns:a14="http://schemas.microsoft.com/office/drawing/2010/main" xmlns="" w="9525">
                     <a:solidFill>
                       <a:srgbClr val="000000"/>
                     </a:solidFill>
@@ -9699,7 +9702,7 @@
               </a:ln>
               <a:extLst>
                 <a:ext uri="{91240B29-F687-4f45-9708-019B960494DF}">
-                  <a14:hiddenLine xmlns="" xmlns:a14="http://schemas.microsoft.com/office/drawing/2010/main" w="9525">
+                  <a14:hiddenLine xmlns:a14="http://schemas.microsoft.com/office/drawing/2010/main" xmlns="" w="9525">
                     <a:solidFill>
                       <a:srgbClr val="000000"/>
                     </a:solidFill>
@@ -9761,7 +9764,7 @@
               </a:ln>
               <a:extLst>
                 <a:ext uri="{91240B29-F687-4f45-9708-019B960494DF}">
-                  <a14:hiddenLine xmlns="" xmlns:a14="http://schemas.microsoft.com/office/drawing/2010/main" w="9525">
+                  <a14:hiddenLine xmlns:a14="http://schemas.microsoft.com/office/drawing/2010/main" xmlns="" w="9525">
                     <a:solidFill>
                       <a:srgbClr val="000000"/>
                     </a:solidFill>
@@ -9871,7 +9874,7 @@
               </a:ln>
               <a:extLst>
                 <a:ext uri="{91240B29-F687-4f45-9708-019B960494DF}">
-                  <a14:hiddenLine xmlns="" xmlns:a14="http://schemas.microsoft.com/office/drawing/2010/main" w="9525">
+                  <a14:hiddenLine xmlns:a14="http://schemas.microsoft.com/office/drawing/2010/main" xmlns="" w="9525">
                     <a:solidFill>
                       <a:srgbClr val="000000"/>
                     </a:solidFill>
@@ -9955,7 +9958,7 @@
               </a:ln>
               <a:extLst>
                 <a:ext uri="{91240B29-F687-4f45-9708-019B960494DF}">
-                  <a14:hiddenLine xmlns="" xmlns:a14="http://schemas.microsoft.com/office/drawing/2010/main" w="9525">
+                  <a14:hiddenLine xmlns:a14="http://schemas.microsoft.com/office/drawing/2010/main" xmlns="" w="9525">
                     <a:solidFill>
                       <a:srgbClr val="000000"/>
                     </a:solidFill>
@@ -10017,7 +10020,7 @@
               </a:ln>
               <a:extLst>
                 <a:ext uri="{91240B29-F687-4f45-9708-019B960494DF}">
-                  <a14:hiddenLine xmlns="" xmlns:a14="http://schemas.microsoft.com/office/drawing/2010/main" w="9525">
+                  <a14:hiddenLine xmlns:a14="http://schemas.microsoft.com/office/drawing/2010/main" xmlns="" w="9525">
                     <a:solidFill>
                       <a:srgbClr val="000000"/>
                     </a:solidFill>
@@ -10079,7 +10082,7 @@
               </a:ln>
               <a:extLst>
                 <a:ext uri="{91240B29-F687-4f45-9708-019B960494DF}">
-                  <a14:hiddenLine xmlns="" xmlns:a14="http://schemas.microsoft.com/office/drawing/2010/main" w="9525">
+                  <a14:hiddenLine xmlns:a14="http://schemas.microsoft.com/office/drawing/2010/main" xmlns="" w="9525">
                     <a:solidFill>
                       <a:srgbClr val="000000"/>
                     </a:solidFill>
@@ -10169,7 +10172,7 @@
               </a:ln>
               <a:extLst>
                 <a:ext uri="{91240B29-F687-4f45-9708-019B960494DF}">
-                  <a14:hiddenLine xmlns="" xmlns:a14="http://schemas.microsoft.com/office/drawing/2010/main" w="9525">
+                  <a14:hiddenLine xmlns:a14="http://schemas.microsoft.com/office/drawing/2010/main" xmlns="" w="9525">
                     <a:solidFill>
                       <a:srgbClr val="000000"/>
                     </a:solidFill>
@@ -10203,7 +10206,7 @@
               </a:ln>
               <a:extLst>
                 <a:ext uri="{91240B29-F687-4f45-9708-019B960494DF}">
-                  <a14:hiddenLine xmlns="" xmlns:a14="http://schemas.microsoft.com/office/drawing/2010/main" w="9525">
+                  <a14:hiddenLine xmlns:a14="http://schemas.microsoft.com/office/drawing/2010/main" xmlns="" w="9525">
                     <a:solidFill>
                       <a:srgbClr val="000000"/>
                     </a:solidFill>
@@ -10268,7 +10271,7 @@
               </a:ln>
               <a:extLst>
                 <a:ext uri="{91240B29-F687-4f45-9708-019B960494DF}">
-                  <a14:hiddenLine xmlns="" xmlns:a14="http://schemas.microsoft.com/office/drawing/2010/main" w="9525">
+                  <a14:hiddenLine xmlns:a14="http://schemas.microsoft.com/office/drawing/2010/main" xmlns="" w="9525">
                     <a:solidFill>
                       <a:srgbClr val="000000"/>
                     </a:solidFill>
@@ -10358,7 +10361,7 @@
               </a:ln>
               <a:extLst>
                 <a:ext uri="{91240B29-F687-4f45-9708-019B960494DF}">
-                  <a14:hiddenLine xmlns="" xmlns:a14="http://schemas.microsoft.com/office/drawing/2010/main" w="9525">
+                  <a14:hiddenLine xmlns:a14="http://schemas.microsoft.com/office/drawing/2010/main" xmlns="" w="9525">
                     <a:solidFill>
                       <a:srgbClr val="000000"/>
                     </a:solidFill>
@@ -10420,7 +10423,7 @@
               </a:ln>
               <a:extLst>
                 <a:ext uri="{91240B29-F687-4f45-9708-019B960494DF}">
-                  <a14:hiddenLine xmlns="" xmlns:a14="http://schemas.microsoft.com/office/drawing/2010/main" w="9525">
+                  <a14:hiddenLine xmlns:a14="http://schemas.microsoft.com/office/drawing/2010/main" xmlns="" w="9525">
                     <a:solidFill>
                       <a:srgbClr val="000000"/>
                     </a:solidFill>
@@ -10510,7 +10513,7 @@
               </a:ln>
               <a:extLst>
                 <a:ext uri="{91240B29-F687-4f45-9708-019B960494DF}">
-                  <a14:hiddenLine xmlns="" xmlns:a14="http://schemas.microsoft.com/office/drawing/2010/main" w="9525">
+                  <a14:hiddenLine xmlns:a14="http://schemas.microsoft.com/office/drawing/2010/main" xmlns="" w="9525">
                     <a:solidFill>
                       <a:srgbClr val="000000"/>
                     </a:solidFill>
@@ -10575,7 +10578,7 @@
               </a:ln>
               <a:extLst>
                 <a:ext uri="{91240B29-F687-4f45-9708-019B960494DF}">
-                  <a14:hiddenLine xmlns="" xmlns:a14="http://schemas.microsoft.com/office/drawing/2010/main" w="9525">
+                  <a14:hiddenLine xmlns:a14="http://schemas.microsoft.com/office/drawing/2010/main" xmlns="" w="9525">
                     <a:solidFill>
                       <a:srgbClr val="000000"/>
                     </a:solidFill>
@@ -10637,7 +10640,7 @@
               </a:ln>
               <a:extLst>
                 <a:ext uri="{91240B29-F687-4f45-9708-019B960494DF}">
-                  <a14:hiddenLine xmlns="" xmlns:a14="http://schemas.microsoft.com/office/drawing/2010/main" w="9525">
+                  <a14:hiddenLine xmlns:a14="http://schemas.microsoft.com/office/drawing/2010/main" xmlns="" w="9525">
                     <a:solidFill>
                       <a:srgbClr val="000000"/>
                     </a:solidFill>
@@ -10727,7 +10730,7 @@
               </a:ln>
               <a:extLst>
                 <a:ext uri="{91240B29-F687-4f45-9708-019B960494DF}">
-                  <a14:hiddenLine xmlns="" xmlns:a14="http://schemas.microsoft.com/office/drawing/2010/main" w="9525">
+                  <a14:hiddenLine xmlns:a14="http://schemas.microsoft.com/office/drawing/2010/main" xmlns="" w="9525">
                     <a:solidFill>
                       <a:srgbClr val="000000"/>
                     </a:solidFill>
@@ -10817,7 +10820,7 @@
               </a:ln>
               <a:extLst>
                 <a:ext uri="{91240B29-F687-4f45-9708-019B960494DF}">
-                  <a14:hiddenLine xmlns="" xmlns:a14="http://schemas.microsoft.com/office/drawing/2010/main" w="9525">
+                  <a14:hiddenLine xmlns:a14="http://schemas.microsoft.com/office/drawing/2010/main" xmlns="" w="9525">
                     <a:solidFill>
                       <a:srgbClr val="000000"/>
                     </a:solidFill>
@@ -10882,7 +10885,7 @@
               </a:ln>
               <a:extLst>
                 <a:ext uri="{91240B29-F687-4f45-9708-019B960494DF}">
-                  <a14:hiddenLine xmlns="" xmlns:a14="http://schemas.microsoft.com/office/drawing/2010/main" w="9525">
+                  <a14:hiddenLine xmlns:a14="http://schemas.microsoft.com/office/drawing/2010/main" xmlns="" w="9525">
                     <a:solidFill>
                       <a:srgbClr val="000000"/>
                     </a:solidFill>
@@ -11002,7 +11005,7 @@
               </a:ln>
               <a:extLst>
                 <a:ext uri="{91240B29-F687-4f45-9708-019B960494DF}">
-                  <a14:hiddenLine xmlns="" xmlns:a14="http://schemas.microsoft.com/office/drawing/2010/main" w="9525">
+                  <a14:hiddenLine xmlns:a14="http://schemas.microsoft.com/office/drawing/2010/main" xmlns="" w="9525">
                     <a:solidFill>
                       <a:srgbClr val="000000"/>
                     </a:solidFill>
@@ -11083,7 +11086,7 @@
               </a:ln>
               <a:extLst>
                 <a:ext uri="{91240B29-F687-4f45-9708-019B960494DF}">
-                  <a14:hiddenLine xmlns="" xmlns:a14="http://schemas.microsoft.com/office/drawing/2010/main" w="9525">
+                  <a14:hiddenLine xmlns:a14="http://schemas.microsoft.com/office/drawing/2010/main" xmlns="" w="9525">
                     <a:solidFill>
                       <a:srgbClr val="000000"/>
                     </a:solidFill>
@@ -11198,7 +11201,7 @@
               </a:ln>
               <a:extLst>
                 <a:ext uri="{91240B29-F687-4f45-9708-019B960494DF}">
-                  <a14:hiddenLine xmlns="" xmlns:a14="http://schemas.microsoft.com/office/drawing/2010/main" w="9525">
+                  <a14:hiddenLine xmlns:a14="http://schemas.microsoft.com/office/drawing/2010/main" xmlns="" w="9525">
                     <a:solidFill>
                       <a:srgbClr val="000000"/>
                     </a:solidFill>
@@ -11288,7 +11291,7 @@
               </a:ln>
               <a:extLst>
                 <a:ext uri="{91240B29-F687-4f45-9708-019B960494DF}">
-                  <a14:hiddenLine xmlns="" xmlns:a14="http://schemas.microsoft.com/office/drawing/2010/main" w="9525">
+                  <a14:hiddenLine xmlns:a14="http://schemas.microsoft.com/office/drawing/2010/main" xmlns="" w="9525">
                     <a:solidFill>
                       <a:srgbClr val="000000"/>
                     </a:solidFill>
@@ -11353,7 +11356,7 @@
               </a:ln>
               <a:extLst>
                 <a:ext uri="{91240B29-F687-4f45-9708-019B960494DF}">
-                  <a14:hiddenLine xmlns="" xmlns:a14="http://schemas.microsoft.com/office/drawing/2010/main" w="9525">
+                  <a14:hiddenLine xmlns:a14="http://schemas.microsoft.com/office/drawing/2010/main" xmlns="" w="9525">
                     <a:solidFill>
                       <a:srgbClr val="000000"/>
                     </a:solidFill>
@@ -11443,7 +11446,7 @@
               </a:ln>
               <a:extLst>
                 <a:ext uri="{91240B29-F687-4f45-9708-019B960494DF}">
-                  <a14:hiddenLine xmlns="" xmlns:a14="http://schemas.microsoft.com/office/drawing/2010/main" w="9525">
+                  <a14:hiddenLine xmlns:a14="http://schemas.microsoft.com/office/drawing/2010/main" xmlns="" w="9525">
                     <a:solidFill>
                       <a:srgbClr val="000000"/>
                     </a:solidFill>
@@ -11511,7 +11514,7 @@
               </a:ln>
               <a:extLst>
                 <a:ext uri="{91240B29-F687-4f45-9708-019B960494DF}">
-                  <a14:hiddenLine xmlns="" xmlns:a14="http://schemas.microsoft.com/office/drawing/2010/main" w="9525">
+                  <a14:hiddenLine xmlns:a14="http://schemas.microsoft.com/office/drawing/2010/main" xmlns="" w="9525">
                     <a:solidFill>
                       <a:srgbClr val="000000"/>
                     </a:solidFill>
@@ -11601,7 +11604,7 @@
               </a:ln>
               <a:extLst>
                 <a:ext uri="{91240B29-F687-4f45-9708-019B960494DF}">
-                  <a14:hiddenLine xmlns="" xmlns:a14="http://schemas.microsoft.com/office/drawing/2010/main" w="9525">
+                  <a14:hiddenLine xmlns:a14="http://schemas.microsoft.com/office/drawing/2010/main" xmlns="" w="9525">
                     <a:solidFill>
                       <a:srgbClr val="000000"/>
                     </a:solidFill>
@@ -11669,7 +11672,7 @@
               </a:ln>
               <a:extLst>
                 <a:ext uri="{91240B29-F687-4f45-9708-019B960494DF}">
-                  <a14:hiddenLine xmlns="" xmlns:a14="http://schemas.microsoft.com/office/drawing/2010/main" w="9525">
+                  <a14:hiddenLine xmlns:a14="http://schemas.microsoft.com/office/drawing/2010/main" xmlns="" w="9525">
                     <a:solidFill>
                       <a:srgbClr val="000000"/>
                     </a:solidFill>
@@ -11759,7 +11762,7 @@
               </a:ln>
               <a:extLst>
                 <a:ext uri="{91240B29-F687-4f45-9708-019B960494DF}">
-                  <a14:hiddenLine xmlns="" xmlns:a14="http://schemas.microsoft.com/office/drawing/2010/main" w="9525">
+                  <a14:hiddenLine xmlns:a14="http://schemas.microsoft.com/office/drawing/2010/main" xmlns="" w="9525">
                     <a:solidFill>
                       <a:srgbClr val="000000"/>
                     </a:solidFill>
@@ -11793,7 +11796,7 @@
               </a:ln>
               <a:extLst>
                 <a:ext uri="{91240B29-F687-4f45-9708-019B960494DF}">
-                  <a14:hiddenLine xmlns="" xmlns:a14="http://schemas.microsoft.com/office/drawing/2010/main" w="9525">
+                  <a14:hiddenLine xmlns:a14="http://schemas.microsoft.com/office/drawing/2010/main" xmlns="" w="9525">
                     <a:solidFill>
                       <a:srgbClr val="000000"/>
                     </a:solidFill>
@@ -11934,7 +11937,7 @@
             <a:fld id="{48A87A34-81AB-432B-8DAE-1953F412C126}" type="datetimeFigureOut">
               <a:rPr lang="en-US" dirty="0"/>
               <a:pPr/>
-              <a:t>5/3/2023</a:t>
+              <a:t>5/12/2023</a:t>
             </a:fld>
             <a:endParaRPr lang="en-US" dirty="0"/>
           </a:p>
@@ -12479,6 +12482,116 @@
 </p:sld>
 </file>
 
+<file path=ppt/slides/slide10.xml><?xml version="1.0" encoding="utf-8"?>
+<p:sld xmlns:a="http://schemas.openxmlformats.org/drawingml/2006/main" xmlns:r="http://schemas.openxmlformats.org/officeDocument/2006/relationships" xmlns:p="http://schemas.openxmlformats.org/presentationml/2006/main">
+  <p:cSld>
+    <p:spTree>
+      <p:nvGrpSpPr>
+        <p:cNvPr id="1" name=""/>
+        <p:cNvGrpSpPr/>
+        <p:nvPr/>
+      </p:nvGrpSpPr>
+      <p:grpSpPr>
+        <a:xfrm>
+          <a:off x="0" y="0"/>
+          <a:ext cx="0" cy="0"/>
+          <a:chOff x="0" y="0"/>
+          <a:chExt cx="0" cy="0"/>
+        </a:xfrm>
+      </p:grpSpPr>
+      <p:pic>
+        <p:nvPicPr>
+          <p:cNvPr id="9" name="Picture 8">
+            <a:extLst>
+              <a:ext uri="{FF2B5EF4-FFF2-40B4-BE49-F238E27FC236}">
+                <a16:creationId xmlns:a16="http://schemas.microsoft.com/office/drawing/2014/main" id="{285564D7-78C7-A26F-AA92-A8FFF23BBF79}"/>
+              </a:ext>
+            </a:extLst>
+          </p:cNvPr>
+          <p:cNvPicPr>
+            <a:picLocks noChangeAspect="1"/>
+          </p:cNvPicPr>
+          <p:nvPr/>
+        </p:nvPicPr>
+        <p:blipFill>
+          <a:blip r:embed="rId2"/>
+          <a:stretch>
+            <a:fillRect/>
+          </a:stretch>
+        </p:blipFill>
+        <p:spPr>
+          <a:xfrm>
+            <a:off x="146583" y="521906"/>
+            <a:ext cx="6686986" cy="5599688"/>
+          </a:xfrm>
+          <a:prstGeom prst="rect">
+            <a:avLst/>
+          </a:prstGeom>
+        </p:spPr>
+      </p:pic>
+      <p:sp>
+        <p:nvSpPr>
+          <p:cNvPr id="11" name="TextBox 10">
+            <a:extLst>
+              <a:ext uri="{FF2B5EF4-FFF2-40B4-BE49-F238E27FC236}">
+                <a16:creationId xmlns:a16="http://schemas.microsoft.com/office/drawing/2014/main" id="{16663100-C652-D5E2-42FC-82DEFB4DA51B}"/>
+              </a:ext>
+            </a:extLst>
+          </p:cNvPr>
+          <p:cNvSpPr txBox="1"/>
+          <p:nvPr/>
+        </p:nvSpPr>
+        <p:spPr>
+          <a:xfrm>
+            <a:off x="6846949" y="1056836"/>
+            <a:ext cx="5345051" cy="4055726"/>
+          </a:xfrm>
+          <a:prstGeom prst="rect">
+            <a:avLst/>
+          </a:prstGeom>
+          <a:noFill/>
+        </p:spPr>
+        <p:txBody>
+          <a:bodyPr wrap="square">
+            <a:spAutoFit/>
+          </a:bodyPr>
+          <a:lstStyle/>
+          <a:p>
+            <a:pPr defTabSz="914400">
+              <a:lnSpc>
+                <a:spcPct val="120000"/>
+              </a:lnSpc>
+              <a:spcBef>
+                <a:spcPts val="1000"/>
+              </a:spcBef>
+              <a:buSzPct val="125000"/>
+            </a:pPr>
+            <a:r>
+              <a:rPr lang="es-UY" dirty="0">
+                <a:solidFill>
+                  <a:srgbClr val="D4D4D4"/>
+                </a:solidFill>
+                <a:latin typeface="Roboto Cn" pitchFamily="2" charset="0"/>
+                <a:ea typeface="Roboto Cn" pitchFamily="2" charset="0"/>
+              </a:rPr>
+              <a:t>Se puede concluir que el precio de Bitcoin es un factor importante para determinar la cantidad de direcciones activas. En los cálculos de predicción realizados, se observa que para el año 2023, si el precio de Bitcoin alcanza su valor máximo histórico de USD 67.547, se espera que haya alrededor de 1.160.398 direcciones activas. Por otro lado, si el precio de Bitcoin alcanza su valor mínimo histórico de USD 197, se espera que haya alrededor de 635.798 direcciones activas. Finalmente, si el precio de Bitcoin alcanza su valor mediano histórico de USD 6.581, se espera que haya alrededor de 912.702 direcciones activas.</a:t>
+            </a:r>
+          </a:p>
+        </p:txBody>
+      </p:sp>
+    </p:spTree>
+    <p:extLst>
+      <p:ext uri="{BB962C8B-B14F-4D97-AF65-F5344CB8AC3E}">
+        <p14:creationId xmlns:p14="http://schemas.microsoft.com/office/powerpoint/2010/main" val="3748903693"/>
+      </p:ext>
+    </p:extLst>
+  </p:cSld>
+  <p:clrMapOvr>
+    <a:masterClrMapping/>
+  </p:clrMapOvr>
+</p:sld>
+</file>
+
 <file path=ppt/slides/slide2.xml><?xml version="1.0" encoding="utf-8"?>
 <p:sld xmlns:a="http://schemas.openxmlformats.org/drawingml/2006/main" xmlns:r="http://schemas.openxmlformats.org/officeDocument/2006/relationships" xmlns:p="http://schemas.openxmlformats.org/presentationml/2006/main">
   <p:cSld>
@@ -13532,10 +13645,10 @@
       </p:sp>
       <p:pic>
         <p:nvPicPr>
-          <p:cNvPr id="9" name="Picture 8">
+          <p:cNvPr id="6" name="Picture 5">
             <a:extLst>
               <a:ext uri="{FF2B5EF4-FFF2-40B4-BE49-F238E27FC236}">
-                <a16:creationId xmlns:a16="http://schemas.microsoft.com/office/drawing/2014/main" id="{4F3D25D4-B824-6875-D5C8-8A098AD2CFBD}"/>
+                <a16:creationId xmlns:a16="http://schemas.microsoft.com/office/drawing/2014/main" id="{D2DF56B3-5C4D-EF48-C66D-7027B37F563D}"/>
               </a:ext>
             </a:extLst>
           </p:cNvPr>
@@ -13552,8 +13665,8 @@
         </p:blipFill>
         <p:spPr>
           <a:xfrm>
-            <a:off x="3389369" y="2443797"/>
-            <a:ext cx="5413259" cy="4178816"/>
+            <a:off x="2899472" y="2443797"/>
+            <a:ext cx="6132873" cy="4139883"/>
           </a:xfrm>
           <a:prstGeom prst="rect">
             <a:avLst/>
@@ -13564,6 +13677,369 @@
     <p:extLst>
       <p:ext uri="{BB962C8B-B14F-4D97-AF65-F5344CB8AC3E}">
         <p14:creationId xmlns:p14="http://schemas.microsoft.com/office/powerpoint/2010/main" val="806361981"/>
+      </p:ext>
+    </p:extLst>
+  </p:cSld>
+  <p:clrMapOvr>
+    <a:masterClrMapping/>
+  </p:clrMapOvr>
+</p:sld>
+</file>
+
+<file path=ppt/slides/slide8.xml><?xml version="1.0" encoding="utf-8"?>
+<p:sld xmlns:a="http://schemas.openxmlformats.org/drawingml/2006/main" xmlns:r="http://schemas.openxmlformats.org/officeDocument/2006/relationships" xmlns:p="http://schemas.openxmlformats.org/presentationml/2006/main">
+  <p:cSld>
+    <p:spTree>
+      <p:nvGrpSpPr>
+        <p:cNvPr id="1" name=""/>
+        <p:cNvGrpSpPr/>
+        <p:nvPr/>
+      </p:nvGrpSpPr>
+      <p:grpSpPr>
+        <a:xfrm>
+          <a:off x="0" y="0"/>
+          <a:ext cx="0" cy="0"/>
+          <a:chOff x="0" y="0"/>
+          <a:chExt cx="0" cy="0"/>
+        </a:xfrm>
+      </p:grpSpPr>
+      <p:pic>
+        <p:nvPicPr>
+          <p:cNvPr id="4" name="Content Placeholder 3">
+            <a:extLst>
+              <a:ext uri="{FF2B5EF4-FFF2-40B4-BE49-F238E27FC236}">
+                <a16:creationId xmlns:a16="http://schemas.microsoft.com/office/drawing/2014/main" id="{CEF470B2-C5C5-1B4C-58B5-47C3F5D3B50C}"/>
+              </a:ext>
+            </a:extLst>
+          </p:cNvPr>
+          <p:cNvPicPr>
+            <a:picLocks noGrp="1" noChangeAspect="1"/>
+          </p:cNvPicPr>
+          <p:nvPr>
+            <p:ph idx="1"/>
+          </p:nvPr>
+        </p:nvPicPr>
+        <p:blipFill>
+          <a:blip r:embed="rId2"/>
+          <a:stretch>
+            <a:fillRect/>
+          </a:stretch>
+        </p:blipFill>
+        <p:spPr>
+          <a:xfrm>
+            <a:off x="6537731" y="2585605"/>
+            <a:ext cx="5280655" cy="4076451"/>
+          </a:xfrm>
+          <a:prstGeom prst="rect">
+            <a:avLst/>
+          </a:prstGeom>
+        </p:spPr>
+      </p:pic>
+      <p:pic>
+        <p:nvPicPr>
+          <p:cNvPr id="6" name="Picture 5">
+            <a:extLst>
+              <a:ext uri="{FF2B5EF4-FFF2-40B4-BE49-F238E27FC236}">
+                <a16:creationId xmlns:a16="http://schemas.microsoft.com/office/drawing/2014/main" id="{2499953E-3B8F-F3E0-5075-2B4005BF26B0}"/>
+              </a:ext>
+            </a:extLst>
+          </p:cNvPr>
+          <p:cNvPicPr>
+            <a:picLocks noChangeAspect="1"/>
+          </p:cNvPicPr>
+          <p:nvPr/>
+        </p:nvPicPr>
+        <p:blipFill>
+          <a:blip r:embed="rId3"/>
+          <a:stretch>
+            <a:fillRect/>
+          </a:stretch>
+        </p:blipFill>
+        <p:spPr>
+          <a:xfrm>
+            <a:off x="595682" y="117566"/>
+            <a:ext cx="5722386" cy="3906909"/>
+          </a:xfrm>
+          <a:prstGeom prst="rect">
+            <a:avLst/>
+          </a:prstGeom>
+        </p:spPr>
+      </p:pic>
+      <p:sp>
+        <p:nvSpPr>
+          <p:cNvPr id="8" name="TextBox 7">
+            <a:extLst>
+              <a:ext uri="{FF2B5EF4-FFF2-40B4-BE49-F238E27FC236}">
+                <a16:creationId xmlns:a16="http://schemas.microsoft.com/office/drawing/2014/main" id="{54B25DC3-CB77-A7C3-3F2C-87D56959AA08}"/>
+              </a:ext>
+            </a:extLst>
+          </p:cNvPr>
+          <p:cNvSpPr txBox="1"/>
+          <p:nvPr/>
+        </p:nvSpPr>
+        <p:spPr>
+          <a:xfrm>
+            <a:off x="6694713" y="316694"/>
+            <a:ext cx="4774475" cy="1728935"/>
+          </a:xfrm>
+          <a:prstGeom prst="rect">
+            <a:avLst/>
+          </a:prstGeom>
+          <a:noFill/>
+        </p:spPr>
+        <p:txBody>
+          <a:bodyPr wrap="square">
+            <a:spAutoFit/>
+          </a:bodyPr>
+          <a:lstStyle/>
+          <a:p>
+            <a:pPr defTabSz="914400">
+              <a:lnSpc>
+                <a:spcPct val="120000"/>
+              </a:lnSpc>
+              <a:spcBef>
+                <a:spcPts val="1000"/>
+              </a:spcBef>
+              <a:buSzPct val="125000"/>
+            </a:pPr>
+            <a:r>
+              <a:rPr lang="es-UY" dirty="0">
+                <a:solidFill>
+                  <a:srgbClr val="D4D4D4"/>
+                </a:solidFill>
+                <a:latin typeface="Roboto Cn" pitchFamily="2" charset="0"/>
+                <a:ea typeface="Roboto Cn" pitchFamily="2" charset="0"/>
+              </a:rPr>
+              <a:t>En el gráfico presentado a la izquierda podemos ver cómo la tendencia de la capitalización de mercado respeta los mismos parámetros que los del gráfico de la evolución del precio de BTC mostrado anteriormente.</a:t>
+            </a:r>
+          </a:p>
+        </p:txBody>
+      </p:sp>
+      <p:sp>
+        <p:nvSpPr>
+          <p:cNvPr id="10" name="TextBox 9">
+            <a:extLst>
+              <a:ext uri="{FF2B5EF4-FFF2-40B4-BE49-F238E27FC236}">
+                <a16:creationId xmlns:a16="http://schemas.microsoft.com/office/drawing/2014/main" id="{71018792-5769-BAF3-9E07-CD01A7275A12}"/>
+              </a:ext>
+            </a:extLst>
+          </p:cNvPr>
+          <p:cNvSpPr txBox="1"/>
+          <p:nvPr/>
+        </p:nvSpPr>
+        <p:spPr>
+          <a:xfrm>
+            <a:off x="327546" y="4145506"/>
+            <a:ext cx="6100354" cy="1396536"/>
+          </a:xfrm>
+          <a:prstGeom prst="rect">
+            <a:avLst/>
+          </a:prstGeom>
+          <a:noFill/>
+        </p:spPr>
+        <p:txBody>
+          <a:bodyPr wrap="square">
+            <a:spAutoFit/>
+          </a:bodyPr>
+          <a:lstStyle/>
+          <a:p>
+            <a:pPr defTabSz="914400">
+              <a:lnSpc>
+                <a:spcPct val="120000"/>
+              </a:lnSpc>
+              <a:spcBef>
+                <a:spcPts val="1000"/>
+              </a:spcBef>
+              <a:buSzPct val="125000"/>
+            </a:pPr>
+            <a:r>
+              <a:rPr lang="es-UY" dirty="0">
+                <a:solidFill>
+                  <a:srgbClr val="D4D4D4"/>
+                </a:solidFill>
+                <a:latin typeface="Roboto Cn" pitchFamily="2" charset="0"/>
+                <a:ea typeface="Roboto Cn" pitchFamily="2" charset="0"/>
+              </a:rPr>
+              <a:t>Como dato adicional, se calcula el coeficiente de correlación entre el precio y la capitalización de mercado. El resultado obtenido refleja que la correlación entre ambos parámetros es prácticamente del 100%.</a:t>
+            </a:r>
+          </a:p>
+        </p:txBody>
+      </p:sp>
+      <p:pic>
+        <p:nvPicPr>
+          <p:cNvPr id="12" name="Picture 11">
+            <a:extLst>
+              <a:ext uri="{FF2B5EF4-FFF2-40B4-BE49-F238E27FC236}">
+                <a16:creationId xmlns:a16="http://schemas.microsoft.com/office/drawing/2014/main" id="{DC4E18B6-7F89-1EE9-9C40-FEBE68036081}"/>
+              </a:ext>
+            </a:extLst>
+          </p:cNvPr>
+          <p:cNvPicPr>
+            <a:picLocks noChangeAspect="1"/>
+          </p:cNvPicPr>
+          <p:nvPr/>
+        </p:nvPicPr>
+        <p:blipFill>
+          <a:blip r:embed="rId4"/>
+          <a:stretch>
+            <a:fillRect/>
+          </a:stretch>
+        </p:blipFill>
+        <p:spPr>
+          <a:xfrm>
+            <a:off x="217715" y="5612448"/>
+            <a:ext cx="6100353" cy="1049608"/>
+          </a:xfrm>
+          <a:prstGeom prst="rect">
+            <a:avLst/>
+          </a:prstGeom>
+        </p:spPr>
+      </p:pic>
+    </p:spTree>
+    <p:extLst>
+      <p:ext uri="{BB962C8B-B14F-4D97-AF65-F5344CB8AC3E}">
+        <p14:creationId xmlns:p14="http://schemas.microsoft.com/office/powerpoint/2010/main" val="1632196554"/>
+      </p:ext>
+    </p:extLst>
+  </p:cSld>
+  <p:clrMapOvr>
+    <a:masterClrMapping/>
+  </p:clrMapOvr>
+</p:sld>
+</file>
+
+<file path=ppt/slides/slide9.xml><?xml version="1.0" encoding="utf-8"?>
+<p:sld xmlns:a="http://schemas.openxmlformats.org/drawingml/2006/main" xmlns:r="http://schemas.openxmlformats.org/officeDocument/2006/relationships" xmlns:p="http://schemas.openxmlformats.org/presentationml/2006/main">
+  <p:cSld>
+    <p:spTree>
+      <p:nvGrpSpPr>
+        <p:cNvPr id="1" name=""/>
+        <p:cNvGrpSpPr/>
+        <p:nvPr/>
+      </p:nvGrpSpPr>
+      <p:grpSpPr>
+        <a:xfrm>
+          <a:off x="0" y="0"/>
+          <a:ext cx="0" cy="0"/>
+          <a:chOff x="0" y="0"/>
+          <a:chExt cx="0" cy="0"/>
+        </a:xfrm>
+      </p:grpSpPr>
+      <p:sp>
+        <p:nvSpPr>
+          <p:cNvPr id="7" name="TextBox 6">
+            <a:extLst>
+              <a:ext uri="{FF2B5EF4-FFF2-40B4-BE49-F238E27FC236}">
+                <a16:creationId xmlns:a16="http://schemas.microsoft.com/office/drawing/2014/main" id="{A1DB4096-868B-FF5E-D385-894EFAA8F88F}"/>
+              </a:ext>
+            </a:extLst>
+          </p:cNvPr>
+          <p:cNvSpPr txBox="1"/>
+          <p:nvPr/>
+        </p:nvSpPr>
+        <p:spPr>
+          <a:xfrm>
+            <a:off x="274319" y="1867988"/>
+            <a:ext cx="4349933" cy="2854371"/>
+          </a:xfrm>
+          <a:prstGeom prst="rect">
+            <a:avLst/>
+          </a:prstGeom>
+          <a:noFill/>
+        </p:spPr>
+        <p:txBody>
+          <a:bodyPr wrap="square">
+            <a:spAutoFit/>
+          </a:bodyPr>
+          <a:lstStyle/>
+          <a:p>
+            <a:pPr defTabSz="914400">
+              <a:lnSpc>
+                <a:spcPct val="120000"/>
+              </a:lnSpc>
+              <a:spcBef>
+                <a:spcPts val="1000"/>
+              </a:spcBef>
+              <a:buSzPct val="125000"/>
+            </a:pPr>
+            <a:r>
+              <a:rPr lang="es-UY" b="1" dirty="0">
+                <a:solidFill>
+                  <a:srgbClr val="D4D4D4"/>
+                </a:solidFill>
+                <a:latin typeface="Roboto Cn" pitchFamily="2" charset="0"/>
+                <a:ea typeface="Roboto Cn" pitchFamily="2" charset="0"/>
+              </a:rPr>
+              <a:t>           </a:t>
+            </a:r>
+            <a:r>
+              <a:rPr lang="es-UY" dirty="0">
+                <a:solidFill>
+                  <a:srgbClr val="D4D4D4"/>
+                </a:solidFill>
+                <a:latin typeface="Roboto Cn" pitchFamily="2" charset="0"/>
+                <a:ea typeface="Roboto Cn" pitchFamily="2" charset="0"/>
+              </a:rPr>
+              <a:t>HIPÓTESIS</a:t>
+            </a:r>
+          </a:p>
+          <a:p>
+            <a:pPr defTabSz="914400">
+              <a:lnSpc>
+                <a:spcPct val="120000"/>
+              </a:lnSpc>
+              <a:spcBef>
+                <a:spcPts val="1000"/>
+              </a:spcBef>
+              <a:buSzPct val="125000"/>
+            </a:pPr>
+            <a:r>
+              <a:rPr lang="es-UY" dirty="0">
+                <a:solidFill>
+                  <a:srgbClr val="D4D4D4"/>
+                </a:solidFill>
+                <a:latin typeface="Roboto Cn" pitchFamily="2" charset="0"/>
+                <a:ea typeface="Roboto Cn" pitchFamily="2" charset="0"/>
+              </a:rPr>
+              <a:t>El precio de Bitcoin debería influir de forma directa en la cantidad de direcciones activas. Se plantea esto dado que ante precios mayores, aquellos que sean poseedores de wallets que contengan BTC tendrán mayores incentivos para realizar transacciones de compra-venta.</a:t>
+            </a:r>
+          </a:p>
+        </p:txBody>
+      </p:sp>
+      <p:pic>
+        <p:nvPicPr>
+          <p:cNvPr id="9" name="Picture 8">
+            <a:extLst>
+              <a:ext uri="{FF2B5EF4-FFF2-40B4-BE49-F238E27FC236}">
+                <a16:creationId xmlns:a16="http://schemas.microsoft.com/office/drawing/2014/main" id="{6A776A2D-B02D-B69D-0E40-941B01A83035}"/>
+              </a:ext>
+            </a:extLst>
+          </p:cNvPr>
+          <p:cNvPicPr>
+            <a:picLocks noChangeAspect="1"/>
+          </p:cNvPicPr>
+          <p:nvPr/>
+        </p:nvPicPr>
+        <p:blipFill>
+          <a:blip r:embed="rId2"/>
+          <a:stretch>
+            <a:fillRect/>
+          </a:stretch>
+        </p:blipFill>
+        <p:spPr>
+          <a:xfrm>
+            <a:off x="4441370" y="455527"/>
+            <a:ext cx="7080069" cy="5679292"/>
+          </a:xfrm>
+          <a:prstGeom prst="rect">
+            <a:avLst/>
+          </a:prstGeom>
+        </p:spPr>
+      </p:pic>
+    </p:spTree>
+    <p:extLst>
+      <p:ext uri="{BB962C8B-B14F-4D97-AF65-F5344CB8AC3E}">
+        <p14:creationId xmlns:p14="http://schemas.microsoft.com/office/powerpoint/2010/main" val="2431412389"/>
       </p:ext>
     </p:extLst>
   </p:cSld>
